--- a/CKDSurveillance/PPT/Q781.pptx
+++ b/CKDSurveillance/PPT/Q781.pptx
@@ -7,6 +7,7 @@
   <p:sldIdLst>
     <p:sldId id="256" r:id="rId2"/>
     <p:sldId id="267" r:id="rId3"/>
+    <p:sldId id="268" r:id="rId4"/>
   </p:sldIdLst>
   <p:sldSz cx="12192000" cy="6858000"/>
   <p:notesSz cx="6858000" cy="9144000"/>
@@ -146,15 +147,15 @@
         <c:grouping val="standard"/>
         <c:varyColors val="0"/>
         <c:ser>
-          <c:idx val="0"/>
+          <c:idx val="1"/>
           <c:order val="0"/>
           <c:tx>
             <c:strRef>
-              <c:f>CKD!$B$1</c:f>
+              <c:f>graphics!$C$1</c:f>
               <c:strCache>
                 <c:ptCount val="1"/>
                 <c:pt idx="0">
-                  <c:v>Overall</c:v>
+                  <c:v>With CKD</c:v>
                 </c:pt>
               </c:strCache>
             </c:strRef>
@@ -162,9 +163,8 @@
           <c:spPr>
             <a:ln w="44450" cap="rnd">
               <a:solidFill>
-                <a:schemeClr val="tx1"/>
+                <a:srgbClr val="990099"/>
               </a:solidFill>
-              <a:prstDash val="sysDash"/>
               <a:round/>
             </a:ln>
             <a:effectLst/>
@@ -174,11 +174,11 @@
             <c:size val="5"/>
             <c:spPr>
               <a:solidFill>
-                <a:schemeClr val="tx1"/>
+                <a:srgbClr val="990099"/>
               </a:solidFill>
               <a:ln w="44450">
                 <a:solidFill>
-                  <a:schemeClr val="tx1"/>
+                  <a:srgbClr val="990099"/>
                 </a:solidFill>
               </a:ln>
               <a:effectLst/>
@@ -186,7 +186,7 @@
           </c:marker>
           <c:cat>
             <c:strRef>
-              <c:f>CKD!$A$2:$A$6</c:f>
+              <c:f>graphics!$A$2:$A$6</c:f>
               <c:strCache>
                 <c:ptCount val="5"/>
                 <c:pt idx="0">
@@ -209,99 +209,7 @@
           </c:cat>
           <c:val>
             <c:numRef>
-              <c:f>CKD!$B$2:$B$6</c:f>
-              <c:numCache>
-                <c:formatCode>0.0</c:formatCode>
-                <c:ptCount val="5"/>
-                <c:pt idx="0">
-                  <c:v>66.099999999999994</c:v>
-                </c:pt>
-                <c:pt idx="1">
-                  <c:v>70.5</c:v>
-                </c:pt>
-                <c:pt idx="2">
-                  <c:v>71.3</c:v>
-                </c:pt>
-                <c:pt idx="3">
-                  <c:v>73.599999999999994</c:v>
-                </c:pt>
-                <c:pt idx="4">
-                  <c:v>76.5</c:v>
-                </c:pt>
-              </c:numCache>
-            </c:numRef>
-          </c:val>
-          <c:smooth val="0"/>
-          <c:extLst>
-            <c:ext xmlns:c16="http://schemas.microsoft.com/office/drawing/2014/chart" uri="{C3380CC4-5D6E-409C-BE32-E72D297353CC}">
-              <c16:uniqueId val="{00000000-5257-4062-A98B-E7E1B6C26862}"/>
-            </c:ext>
-          </c:extLst>
-        </c:ser>
-        <c:ser>
-          <c:idx val="1"/>
-          <c:order val="1"/>
-          <c:tx>
-            <c:strRef>
-              <c:f>CKD!$C$1</c:f>
-              <c:strCache>
-                <c:ptCount val="1"/>
-                <c:pt idx="0">
-                  <c:v>With CKD</c:v>
-                </c:pt>
-              </c:strCache>
-            </c:strRef>
-          </c:tx>
-          <c:spPr>
-            <a:ln w="44450" cap="rnd">
-              <a:solidFill>
-                <a:srgbClr val="7030A0"/>
-              </a:solidFill>
-              <a:round/>
-            </a:ln>
-            <a:effectLst/>
-          </c:spPr>
-          <c:marker>
-            <c:symbol val="circle"/>
-            <c:size val="5"/>
-            <c:spPr>
-              <a:solidFill>
-                <a:srgbClr val="7030A0"/>
-              </a:solidFill>
-              <a:ln w="44450">
-                <a:solidFill>
-                  <a:srgbClr val="7030A0"/>
-                </a:solidFill>
-              </a:ln>
-              <a:effectLst/>
-            </c:spPr>
-          </c:marker>
-          <c:cat>
-            <c:strRef>
-              <c:f>CKD!$A$2:$A$6</c:f>
-              <c:strCache>
-                <c:ptCount val="5"/>
-                <c:pt idx="0">
-                  <c:v>2001–2004</c:v>
-                </c:pt>
-                <c:pt idx="1">
-                  <c:v>2005–2008</c:v>
-                </c:pt>
-                <c:pt idx="2">
-                  <c:v>2009–2012</c:v>
-                </c:pt>
-                <c:pt idx="3">
-                  <c:v>2013–2016</c:v>
-                </c:pt>
-                <c:pt idx="4">
-                  <c:v>2017–2020</c:v>
-                </c:pt>
-              </c:strCache>
-            </c:strRef>
-          </c:cat>
-          <c:val>
-            <c:numRef>
-              <c:f>CKD!$C$2:$C$6</c:f>
+              <c:f>graphics!$C$2:$C$6</c:f>
               <c:numCache>
                 <c:formatCode>0.0</c:formatCode>
                 <c:ptCount val="5"/>
@@ -318,7 +226,7 @@
                   <c:v>61.4</c:v>
                 </c:pt>
                 <c:pt idx="4">
-                  <c:v>63.4</c:v>
+                  <c:v>63.9</c:v>
                 </c:pt>
               </c:numCache>
             </c:numRef>
@@ -326,16 +234,16 @@
           <c:smooth val="0"/>
           <c:extLst>
             <c:ext xmlns:c16="http://schemas.microsoft.com/office/drawing/2014/chart" uri="{C3380CC4-5D6E-409C-BE32-E72D297353CC}">
-              <c16:uniqueId val="{00000001-5257-4062-A98B-E7E1B6C26862}"/>
+              <c16:uniqueId val="{00000000-5B3B-4A3C-A3EF-D8F7866C4D3E}"/>
             </c:ext>
           </c:extLst>
         </c:ser>
         <c:ser>
           <c:idx val="2"/>
-          <c:order val="2"/>
+          <c:order val="1"/>
           <c:tx>
             <c:strRef>
-              <c:f>CKD!$D$1</c:f>
+              <c:f>graphics!$D$1</c:f>
               <c:strCache>
                 <c:ptCount val="1"/>
                 <c:pt idx="0">
@@ -370,7 +278,7 @@
           </c:marker>
           <c:cat>
             <c:strRef>
-              <c:f>CKD!$A$2:$A$6</c:f>
+              <c:f>graphics!$A$2:$A$6</c:f>
               <c:strCache>
                 <c:ptCount val="5"/>
                 <c:pt idx="0">
@@ -393,7 +301,7 @@
           </c:cat>
           <c:val>
             <c:numRef>
-              <c:f>CKD!$D$2:$D$6</c:f>
+              <c:f>graphics!$D$2:$D$6</c:f>
               <c:numCache>
                 <c:formatCode>0.0</c:formatCode>
                 <c:ptCount val="5"/>
@@ -410,7 +318,7 @@
                   <c:v>75.599999999999994</c:v>
                 </c:pt>
                 <c:pt idx="4">
-                  <c:v>78.599999999999994</c:v>
+                  <c:v>78.8</c:v>
                 </c:pt>
               </c:numCache>
             </c:numRef>
@@ -418,7 +326,77 @@
           <c:smooth val="0"/>
           <c:extLst>
             <c:ext xmlns:c16="http://schemas.microsoft.com/office/drawing/2014/chart" uri="{C3380CC4-5D6E-409C-BE32-E72D297353CC}">
-              <c16:uniqueId val="{00000002-5257-4062-A98B-E7E1B6C26862}"/>
+              <c16:uniqueId val="{00000001-5B3B-4A3C-A3EF-D8F7866C4D3E}"/>
+            </c:ext>
+          </c:extLst>
+        </c:ser>
+        <c:ser>
+          <c:idx val="0"/>
+          <c:order val="2"/>
+          <c:tx>
+            <c:strRef>
+              <c:f>graphics!$B$1</c:f>
+              <c:strCache>
+                <c:ptCount val="1"/>
+                <c:pt idx="0">
+                  <c:v>Overall</c:v>
+                </c:pt>
+              </c:strCache>
+            </c:strRef>
+          </c:tx>
+          <c:spPr>
+            <a:ln w="44450" cap="rnd">
+              <a:solidFill>
+                <a:schemeClr val="tx1"/>
+              </a:solidFill>
+              <a:prstDash val="sysDash"/>
+              <a:round/>
+            </a:ln>
+            <a:effectLst/>
+          </c:spPr>
+          <c:marker>
+            <c:symbol val="circle"/>
+            <c:size val="5"/>
+            <c:spPr>
+              <a:solidFill>
+                <a:schemeClr val="tx1"/>
+              </a:solidFill>
+              <a:ln w="44450">
+                <a:solidFill>
+                  <a:schemeClr val="tx1"/>
+                </a:solidFill>
+              </a:ln>
+              <a:effectLst/>
+            </c:spPr>
+          </c:marker>
+          <c:val>
+            <c:numRef>
+              <c:f>graphics!$B$2:$B$6</c:f>
+              <c:numCache>
+                <c:formatCode>0.0</c:formatCode>
+                <c:ptCount val="5"/>
+                <c:pt idx="0">
+                  <c:v>66.099999999999994</c:v>
+                </c:pt>
+                <c:pt idx="1">
+                  <c:v>70.5</c:v>
+                </c:pt>
+                <c:pt idx="2">
+                  <c:v>71.3</c:v>
+                </c:pt>
+                <c:pt idx="3">
+                  <c:v>73.599999999999994</c:v>
+                </c:pt>
+                <c:pt idx="4">
+                  <c:v>76.7</c:v>
+                </c:pt>
+              </c:numCache>
+            </c:numRef>
+          </c:val>
+          <c:smooth val="0"/>
+          <c:extLst>
+            <c:ext xmlns:c16="http://schemas.microsoft.com/office/drawing/2014/chart" uri="{C3380CC4-5D6E-409C-BE32-E72D297353CC}">
+              <c16:uniqueId val="{00000002-5B3B-4A3C-A3EF-D8F7866C4D3E}"/>
             </c:ext>
           </c:extLst>
         </c:ser>
@@ -464,9 +442,9 @@
           <a:lstStyle/>
           <a:p>
             <a:pPr>
-              <a:defRPr sz="2400" b="0" i="0" u="none" strike="noStrike" kern="1200" baseline="0">
+              <a:defRPr sz="2300" b="0" i="0" u="none" strike="noStrike" kern="1200" baseline="0">
                 <a:solidFill>
-                  <a:schemeClr val="tx1"/>
+                  <a:sysClr val="windowText" lastClr="000000"/>
                 </a:solidFill>
                 <a:latin typeface="+mn-lt"/>
                 <a:ea typeface="+mn-ea"/>
@@ -512,9 +490,9 @@
               <a:lstStyle/>
               <a:p>
                 <a:pPr>
-                  <a:defRPr sz="2800" b="0" i="0" u="none" strike="noStrike" kern="1200" baseline="0">
+                  <a:defRPr sz="2400" b="0" i="0" u="none" strike="noStrike" kern="1200" baseline="0">
                     <a:solidFill>
-                      <a:schemeClr val="tx1"/>
+                      <a:sysClr val="windowText" lastClr="000000"/>
                     </a:solidFill>
                     <a:latin typeface="+mn-lt"/>
                     <a:ea typeface="+mn-ea"/>
@@ -522,24 +500,24 @@
                   </a:defRPr>
                 </a:pPr>
                 <a:r>
-                  <a:rPr lang="en-US" sz="2800">
+                  <a:rPr lang="en-US" sz="2400" dirty="0">
                     <a:solidFill>
-                      <a:schemeClr val="tx1"/>
+                      <a:sysClr val="windowText" lastClr="000000"/>
                     </a:solidFill>
                   </a:rPr>
                   <a:t>Active</a:t>
                 </a:r>
                 <a:r>
-                  <a:rPr lang="en-US" sz="2800" baseline="0">
+                  <a:rPr lang="en-US" sz="2400" baseline="0" dirty="0">
                     <a:solidFill>
-                      <a:schemeClr val="tx1"/>
+                      <a:sysClr val="windowText" lastClr="000000"/>
                     </a:solidFill>
                   </a:rPr>
                   <a:t> (%)</a:t>
                 </a:r>
-                <a:endParaRPr lang="en-US" sz="2800">
+                <a:endParaRPr lang="en-US" sz="2400" dirty="0">
                   <a:solidFill>
-                    <a:schemeClr val="tx1"/>
+                    <a:sysClr val="windowText" lastClr="000000"/>
                   </a:solidFill>
                 </a:endParaRPr>
               </a:p>
@@ -549,8 +527,8 @@
             <c:manualLayout>
               <c:xMode val="edge"/>
               <c:yMode val="edge"/>
-              <c:x val="1.9803802364198411E-5"/>
-              <c:y val="0.21241565079374669"/>
+              <c:x val="0"/>
+              <c:y val="0.23726687179798492"/>
             </c:manualLayout>
           </c:layout>
           <c:overlay val="0"/>
@@ -566,9 +544,9 @@
             <a:lstStyle/>
             <a:p>
               <a:pPr>
-                <a:defRPr sz="2800" b="0" i="0" u="none" strike="noStrike" kern="1200" baseline="0">
+                <a:defRPr sz="2400" b="0" i="0" u="none" strike="noStrike" kern="1200" baseline="0">
                   <a:solidFill>
-                    <a:schemeClr val="tx1"/>
+                    <a:sysClr val="windowText" lastClr="000000"/>
                   </a:solidFill>
                   <a:latin typeface="+mn-lt"/>
                   <a:ea typeface="+mn-ea"/>
@@ -595,9 +573,9 @@
           <a:lstStyle/>
           <a:p>
             <a:pPr>
-              <a:defRPr sz="2400" b="0" i="0" u="none" strike="noStrike" kern="1200" baseline="0">
+              <a:defRPr sz="2300" b="0" i="0" u="none" strike="noStrike" kern="1200" baseline="0">
                 <a:solidFill>
-                  <a:schemeClr val="tx1"/>
+                  <a:sysClr val="windowText" lastClr="000000"/>
                 </a:solidFill>
                 <a:latin typeface="+mn-lt"/>
                 <a:ea typeface="+mn-ea"/>
@@ -625,10 +603,10 @@
         <c:manualLayout>
           <c:xMode val="edge"/>
           <c:yMode val="edge"/>
-          <c:x val="0.28093691106095287"/>
-          <c:y val="0.90408539935036492"/>
-          <c:w val="0.5031713588121669"/>
-          <c:h val="9.5914600649635071E-2"/>
+          <c:x val="0.30152583661417326"/>
+          <c:y val="0.91009211517537569"/>
+          <c:w val="0.44903157808398952"/>
+          <c:h val="8.7230975925103885E-2"/>
         </c:manualLayout>
       </c:layout>
       <c:overlay val="0"/>
@@ -644,9 +622,9 @@
         <a:lstStyle/>
         <a:p>
           <a:pPr>
-            <a:defRPr sz="2400" b="0" i="0" u="none" strike="noStrike" kern="1200" baseline="0">
+            <a:defRPr sz="2200" b="0" i="0" u="none" strike="noStrike" kern="1200" baseline="0">
               <a:solidFill>
-                <a:schemeClr val="tx1"/>
+                <a:sysClr val="windowText" lastClr="000000"/>
               </a:solidFill>
               <a:latin typeface="+mn-lt"/>
               <a:ea typeface="+mn-ea"/>
@@ -669,9 +647,558 @@
     <c:showDLblsOverMax val="0"/>
   </c:chart>
   <c:spPr>
-    <a:noFill/>
-    <a:ln>
+    <a:solidFill>
+      <a:schemeClr val="bg1"/>
+    </a:solidFill>
+    <a:ln w="9525" cap="flat" cmpd="sng" algn="ctr">
       <a:noFill/>
+      <a:round/>
+    </a:ln>
+    <a:effectLst/>
+  </c:spPr>
+  <c:txPr>
+    <a:bodyPr/>
+    <a:lstStyle/>
+    <a:p>
+      <a:pPr>
+        <a:defRPr/>
+      </a:pPr>
+      <a:endParaRPr lang="en-US"/>
+    </a:p>
+  </c:txPr>
+  <c:externalData r:id="rId3">
+    <c:autoUpdate val="0"/>
+  </c:externalData>
+</c:chartSpace>
+</file>
+
+<file path=ppt/charts/chart2.xml><?xml version="1.0" encoding="utf-8"?>
+<c:chartSpace xmlns:c="http://schemas.openxmlformats.org/drawingml/2006/chart" xmlns:a="http://schemas.openxmlformats.org/drawingml/2006/main" xmlns:r="http://schemas.openxmlformats.org/officeDocument/2006/relationships" xmlns:c16r2="http://schemas.microsoft.com/office/drawing/2015/06/chart">
+  <c:date1904 val="0"/>
+  <c:lang val="en-US"/>
+  <c:roundedCorners val="0"/>
+  <mc:AlternateContent xmlns:mc="http://schemas.openxmlformats.org/markup-compatibility/2006">
+    <mc:Choice xmlns:c14="http://schemas.microsoft.com/office/drawing/2007/8/2/chart" Requires="c14">
+      <c14:style val="102"/>
+    </mc:Choice>
+    <mc:Fallback>
+      <c:style val="2"/>
+    </mc:Fallback>
+  </mc:AlternateContent>
+  <c:chart>
+    <c:autoTitleDeleted val="1"/>
+    <c:plotArea>
+      <c:layout/>
+      <c:lineChart>
+        <c:grouping val="standard"/>
+        <c:varyColors val="0"/>
+        <c:ser>
+          <c:idx val="1"/>
+          <c:order val="0"/>
+          <c:tx>
+            <c:strRef>
+              <c:f>graphics!$C$27</c:f>
+              <c:strCache>
+                <c:ptCount val="1"/>
+                <c:pt idx="0">
+                  <c:v>With CKD</c:v>
+                </c:pt>
+              </c:strCache>
+            </c:strRef>
+          </c:tx>
+          <c:spPr>
+            <a:ln w="44450" cap="rnd">
+              <a:solidFill>
+                <a:srgbClr val="990099"/>
+              </a:solidFill>
+              <a:round/>
+            </a:ln>
+            <a:effectLst/>
+          </c:spPr>
+          <c:marker>
+            <c:symbol val="circle"/>
+            <c:size val="5"/>
+            <c:spPr>
+              <a:solidFill>
+                <a:srgbClr val="990099"/>
+              </a:solidFill>
+              <a:ln w="44450">
+                <a:solidFill>
+                  <a:srgbClr val="990099"/>
+                </a:solidFill>
+              </a:ln>
+              <a:effectLst/>
+            </c:spPr>
+          </c:marker>
+          <c:cat>
+            <c:strRef>
+              <c:f>graphics!$A$28:$A$32</c:f>
+              <c:strCache>
+                <c:ptCount val="5"/>
+                <c:pt idx="0">
+                  <c:v>2001–2004</c:v>
+                </c:pt>
+                <c:pt idx="1">
+                  <c:v>2005–2008</c:v>
+                </c:pt>
+                <c:pt idx="2">
+                  <c:v>2009–2012</c:v>
+                </c:pt>
+                <c:pt idx="3">
+                  <c:v>2013–2016</c:v>
+                </c:pt>
+                <c:pt idx="4">
+                  <c:v>2017–2020</c:v>
+                </c:pt>
+              </c:strCache>
+            </c:strRef>
+          </c:cat>
+          <c:val>
+            <c:numRef>
+              <c:f>graphics!$C$28:$C$32</c:f>
+              <c:numCache>
+                <c:formatCode>0.0</c:formatCode>
+                <c:ptCount val="5"/>
+                <c:pt idx="0">
+                  <c:v>56</c:v>
+                </c:pt>
+                <c:pt idx="1">
+                  <c:v>63</c:v>
+                </c:pt>
+                <c:pt idx="2">
+                  <c:v>60.7</c:v>
+                </c:pt>
+                <c:pt idx="3">
+                  <c:v>68.099999999999994</c:v>
+                </c:pt>
+                <c:pt idx="4">
+                  <c:v>70.599999999999994</c:v>
+                </c:pt>
+              </c:numCache>
+            </c:numRef>
+          </c:val>
+          <c:smooth val="0"/>
+          <c:extLst>
+            <c:ext xmlns:c16="http://schemas.microsoft.com/office/drawing/2014/chart" uri="{C3380CC4-5D6E-409C-BE32-E72D297353CC}">
+              <c16:uniqueId val="{00000000-941B-4C39-B483-613CA6CE274E}"/>
+            </c:ext>
+          </c:extLst>
+        </c:ser>
+        <c:ser>
+          <c:idx val="2"/>
+          <c:order val="1"/>
+          <c:tx>
+            <c:strRef>
+              <c:f>graphics!$D$27</c:f>
+              <c:strCache>
+                <c:ptCount val="1"/>
+                <c:pt idx="0">
+                  <c:v>Without CKD</c:v>
+                </c:pt>
+              </c:strCache>
+            </c:strRef>
+          </c:tx>
+          <c:spPr>
+            <a:ln w="44450" cap="rnd">
+              <a:solidFill>
+                <a:srgbClr val="008080"/>
+              </a:solidFill>
+              <a:round/>
+            </a:ln>
+            <a:effectLst/>
+          </c:spPr>
+          <c:marker>
+            <c:symbol val="circle"/>
+            <c:size val="5"/>
+            <c:spPr>
+              <a:solidFill>
+                <a:srgbClr val="008080"/>
+              </a:solidFill>
+              <a:ln w="44450">
+                <a:solidFill>
+                  <a:srgbClr val="008080"/>
+                </a:solidFill>
+              </a:ln>
+              <a:effectLst/>
+            </c:spPr>
+          </c:marker>
+          <c:cat>
+            <c:strRef>
+              <c:f>graphics!$A$28:$A$32</c:f>
+              <c:strCache>
+                <c:ptCount val="5"/>
+                <c:pt idx="0">
+                  <c:v>2001–2004</c:v>
+                </c:pt>
+                <c:pt idx="1">
+                  <c:v>2005–2008</c:v>
+                </c:pt>
+                <c:pt idx="2">
+                  <c:v>2009–2012</c:v>
+                </c:pt>
+                <c:pt idx="3">
+                  <c:v>2013–2016</c:v>
+                </c:pt>
+                <c:pt idx="4">
+                  <c:v>2017–2020</c:v>
+                </c:pt>
+              </c:strCache>
+            </c:strRef>
+          </c:cat>
+          <c:val>
+            <c:numRef>
+              <c:f>graphics!$D$28:$D$32</c:f>
+              <c:numCache>
+                <c:formatCode>0.0</c:formatCode>
+                <c:ptCount val="5"/>
+                <c:pt idx="0">
+                  <c:v>67</c:v>
+                </c:pt>
+                <c:pt idx="1">
+                  <c:v>71.8</c:v>
+                </c:pt>
+                <c:pt idx="2">
+                  <c:v>72.900000000000006</c:v>
+                </c:pt>
+                <c:pt idx="3">
+                  <c:v>74.8</c:v>
+                </c:pt>
+                <c:pt idx="4">
+                  <c:v>78.3</c:v>
+                </c:pt>
+              </c:numCache>
+            </c:numRef>
+          </c:val>
+          <c:smooth val="0"/>
+          <c:extLst>
+            <c:ext xmlns:c16="http://schemas.microsoft.com/office/drawing/2014/chart" uri="{C3380CC4-5D6E-409C-BE32-E72D297353CC}">
+              <c16:uniqueId val="{00000001-941B-4C39-B483-613CA6CE274E}"/>
+            </c:ext>
+          </c:extLst>
+        </c:ser>
+        <c:ser>
+          <c:idx val="0"/>
+          <c:order val="2"/>
+          <c:tx>
+            <c:strRef>
+              <c:f>graphics!$B$27</c:f>
+              <c:strCache>
+                <c:ptCount val="1"/>
+                <c:pt idx="0">
+                  <c:v>Overall</c:v>
+                </c:pt>
+              </c:strCache>
+            </c:strRef>
+          </c:tx>
+          <c:spPr>
+            <a:ln w="44450" cap="rnd">
+              <a:solidFill>
+                <a:schemeClr val="tx1"/>
+              </a:solidFill>
+              <a:prstDash val="sysDash"/>
+              <a:round/>
+            </a:ln>
+            <a:effectLst/>
+          </c:spPr>
+          <c:marker>
+            <c:symbol val="circle"/>
+            <c:size val="5"/>
+            <c:spPr>
+              <a:solidFill>
+                <a:schemeClr val="tx1"/>
+              </a:solidFill>
+              <a:ln w="44450">
+                <a:solidFill>
+                  <a:schemeClr val="tx1"/>
+                </a:solidFill>
+              </a:ln>
+              <a:effectLst/>
+            </c:spPr>
+          </c:marker>
+          <c:val>
+            <c:numRef>
+              <c:f>graphics!$B$28:$B$32</c:f>
+              <c:numCache>
+                <c:formatCode>0.0</c:formatCode>
+                <c:ptCount val="5"/>
+                <c:pt idx="0">
+                  <c:v>65.3</c:v>
+                </c:pt>
+                <c:pt idx="1">
+                  <c:v>70.099999999999994</c:v>
+                </c:pt>
+                <c:pt idx="2">
+                  <c:v>71.099999999999994</c:v>
+                </c:pt>
+                <c:pt idx="3">
+                  <c:v>73.599999999999994</c:v>
+                </c:pt>
+                <c:pt idx="4">
+                  <c:v>77</c:v>
+                </c:pt>
+              </c:numCache>
+            </c:numRef>
+          </c:val>
+          <c:smooth val="0"/>
+          <c:extLst>
+            <c:ext xmlns:c16="http://schemas.microsoft.com/office/drawing/2014/chart" uri="{C3380CC4-5D6E-409C-BE32-E72D297353CC}">
+              <c16:uniqueId val="{00000002-941B-4C39-B483-613CA6CE274E}"/>
+            </c:ext>
+          </c:extLst>
+        </c:ser>
+        <c:dLbls>
+          <c:showLegendKey val="0"/>
+          <c:showVal val="0"/>
+          <c:showCatName val="0"/>
+          <c:showSerName val="0"/>
+          <c:showPercent val="0"/>
+          <c:showBubbleSize val="0"/>
+        </c:dLbls>
+        <c:marker val="1"/>
+        <c:smooth val="0"/>
+        <c:axId val="1367620591"/>
+        <c:axId val="1367621423"/>
+      </c:lineChart>
+      <c:catAx>
+        <c:axId val="1367620591"/>
+        <c:scaling>
+          <c:orientation val="minMax"/>
+        </c:scaling>
+        <c:delete val="0"/>
+        <c:axPos val="b"/>
+        <c:numFmt formatCode="General" sourceLinked="1"/>
+        <c:majorTickMark val="none"/>
+        <c:minorTickMark val="none"/>
+        <c:tickLblPos val="nextTo"/>
+        <c:spPr>
+          <a:noFill/>
+          <a:ln w="9525" cap="flat" cmpd="sng" algn="ctr">
+            <a:solidFill>
+              <a:schemeClr val="tx1">
+                <a:lumMod val="15000"/>
+                <a:lumOff val="85000"/>
+              </a:schemeClr>
+            </a:solidFill>
+            <a:round/>
+          </a:ln>
+          <a:effectLst/>
+        </c:spPr>
+        <c:txPr>
+          <a:bodyPr rot="-60000000" spcFirstLastPara="1" vertOverflow="ellipsis" vert="horz" wrap="square" anchor="ctr" anchorCtr="1"/>
+          <a:lstStyle/>
+          <a:p>
+            <a:pPr>
+              <a:defRPr sz="2300" b="0" i="0" u="none" strike="noStrike" kern="1200" baseline="0">
+                <a:solidFill>
+                  <a:sysClr val="windowText" lastClr="000000"/>
+                </a:solidFill>
+                <a:latin typeface="+mn-lt"/>
+                <a:ea typeface="+mn-ea"/>
+                <a:cs typeface="+mn-cs"/>
+              </a:defRPr>
+            </a:pPr>
+            <a:endParaRPr lang="en-US"/>
+          </a:p>
+        </c:txPr>
+        <c:crossAx val="1367621423"/>
+        <c:crosses val="autoZero"/>
+        <c:auto val="1"/>
+        <c:lblAlgn val="ctr"/>
+        <c:lblOffset val="100"/>
+        <c:noMultiLvlLbl val="0"/>
+      </c:catAx>
+      <c:valAx>
+        <c:axId val="1367621423"/>
+        <c:scaling>
+          <c:orientation val="minMax"/>
+          <c:max val="80"/>
+        </c:scaling>
+        <c:delete val="0"/>
+        <c:axPos val="l"/>
+        <c:majorGridlines>
+          <c:spPr>
+            <a:ln w="9525" cap="flat" cmpd="sng" algn="ctr">
+              <a:solidFill>
+                <a:schemeClr val="tx1">
+                  <a:lumMod val="15000"/>
+                  <a:lumOff val="85000"/>
+                </a:schemeClr>
+              </a:solidFill>
+              <a:round/>
+            </a:ln>
+            <a:effectLst/>
+          </c:spPr>
+        </c:majorGridlines>
+        <c:title>
+          <c:tx>
+            <c:rich>
+              <a:bodyPr rot="-5400000" spcFirstLastPara="1" vertOverflow="ellipsis" vert="horz" wrap="square" anchor="ctr" anchorCtr="1"/>
+              <a:lstStyle/>
+              <a:p>
+                <a:pPr>
+                  <a:defRPr sz="2400" b="0" i="0" u="none" strike="noStrike" kern="1200" baseline="0">
+                    <a:solidFill>
+                      <a:sysClr val="windowText" lastClr="000000"/>
+                    </a:solidFill>
+                    <a:latin typeface="+mn-lt"/>
+                    <a:ea typeface="+mn-ea"/>
+                    <a:cs typeface="+mn-cs"/>
+                  </a:defRPr>
+                </a:pPr>
+                <a:r>
+                  <a:rPr lang="en-US" sz="2400" dirty="0">
+                    <a:solidFill>
+                      <a:sysClr val="windowText" lastClr="000000"/>
+                    </a:solidFill>
+                  </a:rPr>
+                  <a:t>Active</a:t>
+                </a:r>
+                <a:r>
+                  <a:rPr lang="en-US" sz="2400" baseline="0" dirty="0">
+                    <a:solidFill>
+                      <a:sysClr val="windowText" lastClr="000000"/>
+                    </a:solidFill>
+                  </a:rPr>
+                  <a:t> (%)</a:t>
+                </a:r>
+                <a:endParaRPr lang="en-US" sz="2400" dirty="0">
+                  <a:solidFill>
+                    <a:sysClr val="windowText" lastClr="000000"/>
+                  </a:solidFill>
+                </a:endParaRPr>
+              </a:p>
+            </c:rich>
+          </c:tx>
+          <c:layout>
+            <c:manualLayout>
+              <c:xMode val="edge"/>
+              <c:yMode val="edge"/>
+              <c:x val="1.0416667521052126E-3"/>
+              <c:y val="0.24446574073899399"/>
+            </c:manualLayout>
+          </c:layout>
+          <c:overlay val="0"/>
+          <c:spPr>
+            <a:noFill/>
+            <a:ln>
+              <a:noFill/>
+            </a:ln>
+            <a:effectLst/>
+          </c:spPr>
+          <c:txPr>
+            <a:bodyPr rot="-5400000" spcFirstLastPara="1" vertOverflow="ellipsis" vert="horz" wrap="square" anchor="ctr" anchorCtr="1"/>
+            <a:lstStyle/>
+            <a:p>
+              <a:pPr>
+                <a:defRPr sz="2400" b="0" i="0" u="none" strike="noStrike" kern="1200" baseline="0">
+                  <a:solidFill>
+                    <a:sysClr val="windowText" lastClr="000000"/>
+                  </a:solidFill>
+                  <a:latin typeface="+mn-lt"/>
+                  <a:ea typeface="+mn-ea"/>
+                  <a:cs typeface="+mn-cs"/>
+                </a:defRPr>
+              </a:pPr>
+              <a:endParaRPr lang="en-US"/>
+            </a:p>
+          </c:txPr>
+        </c:title>
+        <c:numFmt formatCode="0" sourceLinked="0"/>
+        <c:majorTickMark val="none"/>
+        <c:minorTickMark val="none"/>
+        <c:tickLblPos val="nextTo"/>
+        <c:spPr>
+          <a:noFill/>
+          <a:ln>
+            <a:noFill/>
+          </a:ln>
+          <a:effectLst/>
+        </c:spPr>
+        <c:txPr>
+          <a:bodyPr rot="-60000000" spcFirstLastPara="1" vertOverflow="ellipsis" vert="horz" wrap="square" anchor="ctr" anchorCtr="1"/>
+          <a:lstStyle/>
+          <a:p>
+            <a:pPr>
+              <a:defRPr sz="2300" b="0" i="0" u="none" strike="noStrike" kern="1200" baseline="0">
+                <a:solidFill>
+                  <a:sysClr val="windowText" lastClr="000000"/>
+                </a:solidFill>
+                <a:latin typeface="+mn-lt"/>
+                <a:ea typeface="+mn-ea"/>
+                <a:cs typeface="+mn-cs"/>
+              </a:defRPr>
+            </a:pPr>
+            <a:endParaRPr lang="en-US"/>
+          </a:p>
+        </c:txPr>
+        <c:crossAx val="1367620591"/>
+        <c:crosses val="autoZero"/>
+        <c:crossBetween val="between"/>
+      </c:valAx>
+      <c:spPr>
+        <a:noFill/>
+        <a:ln>
+          <a:noFill/>
+        </a:ln>
+        <a:effectLst/>
+      </c:spPr>
+    </c:plotArea>
+    <c:legend>
+      <c:legendPos val="b"/>
+      <c:layout>
+        <c:manualLayout>
+          <c:xMode val="edge"/>
+          <c:yMode val="edge"/>
+          <c:x val="0.30360919484983556"/>
+          <c:y val="0.91325365249268309"/>
+          <c:w val="0.44903161491401039"/>
+          <c:h val="8.674634750731694E-2"/>
+        </c:manualLayout>
+      </c:layout>
+      <c:overlay val="0"/>
+      <c:spPr>
+        <a:noFill/>
+        <a:ln>
+          <a:noFill/>
+        </a:ln>
+        <a:effectLst/>
+      </c:spPr>
+      <c:txPr>
+        <a:bodyPr rot="0" spcFirstLastPara="1" vertOverflow="ellipsis" vert="horz" wrap="square" anchor="ctr" anchorCtr="1"/>
+        <a:lstStyle/>
+        <a:p>
+          <a:pPr>
+            <a:defRPr sz="2200" b="0" i="0" u="none" strike="noStrike" kern="1200" baseline="0">
+              <a:solidFill>
+                <a:sysClr val="windowText" lastClr="000000"/>
+              </a:solidFill>
+              <a:latin typeface="+mn-lt"/>
+              <a:ea typeface="+mn-ea"/>
+              <a:cs typeface="+mn-cs"/>
+            </a:defRPr>
+          </a:pPr>
+          <a:endParaRPr lang="en-US"/>
+        </a:p>
+      </c:txPr>
+    </c:legend>
+    <c:plotVisOnly val="1"/>
+    <c:dispBlanksAs val="gap"/>
+    <c:extLst>
+      <c:ext xmlns:c16r3="http://schemas.microsoft.com/office/drawing/2017/03/chart" uri="{56B9EC1D-385E-4148-901F-78D8002777C0}">
+        <c16r3:dataDisplayOptions16>
+          <c16r3:dispNaAsBlank val="1"/>
+        </c16r3:dataDisplayOptions16>
+      </c:ext>
+    </c:extLst>
+    <c:showDLblsOverMax val="0"/>
+  </c:chart>
+  <c:spPr>
+    <a:solidFill>
+      <a:schemeClr val="bg1"/>
+    </a:solidFill>
+    <a:ln w="9525" cap="flat" cmpd="sng" algn="ctr">
+      <a:noFill/>
+      <a:round/>
     </a:ln>
     <a:effectLst/>
   </c:spPr>
@@ -692,6 +1219,46 @@
 </file>
 
 <file path=ppt/charts/colors1.xml><?xml version="1.0" encoding="utf-8"?>
+<cs:colorStyle xmlns:cs="http://schemas.microsoft.com/office/drawing/2012/chartStyle" xmlns:a="http://schemas.openxmlformats.org/drawingml/2006/main" meth="cycle" id="10">
+  <a:schemeClr val="accent1"/>
+  <a:schemeClr val="accent2"/>
+  <a:schemeClr val="accent3"/>
+  <a:schemeClr val="accent4"/>
+  <a:schemeClr val="accent5"/>
+  <a:schemeClr val="accent6"/>
+  <cs:variation/>
+  <cs:variation>
+    <a:lumMod val="60000"/>
+  </cs:variation>
+  <cs:variation>
+    <a:lumMod val="80000"/>
+    <a:lumOff val="20000"/>
+  </cs:variation>
+  <cs:variation>
+    <a:lumMod val="80000"/>
+  </cs:variation>
+  <cs:variation>
+    <a:lumMod val="60000"/>
+    <a:lumOff val="40000"/>
+  </cs:variation>
+  <cs:variation>
+    <a:lumMod val="50000"/>
+  </cs:variation>
+  <cs:variation>
+    <a:lumMod val="70000"/>
+    <a:lumOff val="30000"/>
+  </cs:variation>
+  <cs:variation>
+    <a:lumMod val="70000"/>
+  </cs:variation>
+  <cs:variation>
+    <a:lumMod val="50000"/>
+    <a:lumOff val="50000"/>
+  </cs:variation>
+</cs:colorStyle>
+</file>
+
+<file path=ppt/charts/colors2.xml><?xml version="1.0" encoding="utf-8"?>
 <cs:colorStyle xmlns:cs="http://schemas.microsoft.com/office/drawing/2012/chartStyle" xmlns:a="http://schemas.openxmlformats.org/drawingml/2006/main" meth="cycle" id="10">
   <a:schemeClr val="accent1"/>
   <a:schemeClr val="accent2"/>
@@ -1234,6 +1801,509 @@
 </cs:chartStyle>
 </file>
 
+<file path=ppt/charts/style2.xml><?xml version="1.0" encoding="utf-8"?>
+<cs:chartStyle xmlns:cs="http://schemas.microsoft.com/office/drawing/2012/chartStyle" xmlns:a="http://schemas.openxmlformats.org/drawingml/2006/main" id="332">
+  <cs:axisTitle>
+    <cs:lnRef idx="0"/>
+    <cs:fillRef idx="0"/>
+    <cs:effectRef idx="0"/>
+    <cs:fontRef idx="minor">
+      <a:schemeClr val="tx1">
+        <a:lumMod val="65000"/>
+        <a:lumOff val="35000"/>
+      </a:schemeClr>
+    </cs:fontRef>
+    <cs:defRPr sz="1000" kern="1200"/>
+  </cs:axisTitle>
+  <cs:categoryAxis>
+    <cs:lnRef idx="0"/>
+    <cs:fillRef idx="0"/>
+    <cs:effectRef idx="0"/>
+    <cs:fontRef idx="minor">
+      <a:schemeClr val="tx1">
+        <a:lumMod val="65000"/>
+        <a:lumOff val="35000"/>
+      </a:schemeClr>
+    </cs:fontRef>
+    <cs:spPr>
+      <a:ln w="9525" cap="flat" cmpd="sng" algn="ctr">
+        <a:solidFill>
+          <a:schemeClr val="tx1">
+            <a:lumMod val="15000"/>
+            <a:lumOff val="85000"/>
+          </a:schemeClr>
+        </a:solidFill>
+        <a:round/>
+      </a:ln>
+    </cs:spPr>
+    <cs:defRPr sz="900" kern="1200"/>
+  </cs:categoryAxis>
+  <cs:chartArea mods="allowNoFillOverride allowNoLineOverride">
+    <cs:lnRef idx="0"/>
+    <cs:fillRef idx="0"/>
+    <cs:effectRef idx="0"/>
+    <cs:fontRef idx="minor">
+      <a:schemeClr val="tx1"/>
+    </cs:fontRef>
+    <cs:spPr>
+      <a:solidFill>
+        <a:schemeClr val="bg1"/>
+      </a:solidFill>
+      <a:ln w="9525" cap="flat" cmpd="sng" algn="ctr">
+        <a:solidFill>
+          <a:schemeClr val="tx1">
+            <a:lumMod val="15000"/>
+            <a:lumOff val="85000"/>
+          </a:schemeClr>
+        </a:solidFill>
+        <a:round/>
+      </a:ln>
+    </cs:spPr>
+    <cs:defRPr sz="1000" kern="1200"/>
+  </cs:chartArea>
+  <cs:dataLabel>
+    <cs:lnRef idx="0"/>
+    <cs:fillRef idx="0"/>
+    <cs:effectRef idx="0"/>
+    <cs:fontRef idx="minor">
+      <a:schemeClr val="tx1">
+        <a:lumMod val="75000"/>
+        <a:lumOff val="25000"/>
+      </a:schemeClr>
+    </cs:fontRef>
+    <cs:defRPr sz="900" kern="1200"/>
+  </cs:dataLabel>
+  <cs:dataLabelCallout>
+    <cs:lnRef idx="0"/>
+    <cs:fillRef idx="0"/>
+    <cs:effectRef idx="0"/>
+    <cs:fontRef idx="minor">
+      <a:schemeClr val="dk1">
+        <a:lumMod val="65000"/>
+        <a:lumOff val="35000"/>
+      </a:schemeClr>
+    </cs:fontRef>
+    <cs:spPr>
+      <a:solidFill>
+        <a:schemeClr val="lt1"/>
+      </a:solidFill>
+      <a:ln>
+        <a:solidFill>
+          <a:schemeClr val="dk1">
+            <a:lumMod val="25000"/>
+            <a:lumOff val="75000"/>
+          </a:schemeClr>
+        </a:solidFill>
+      </a:ln>
+    </cs:spPr>
+    <cs:defRPr sz="900" kern="1200"/>
+    <cs:bodyPr rot="0" spcFirstLastPara="1" vertOverflow="clip" horzOverflow="clip" vert="horz" wrap="square" lIns="36576" tIns="18288" rIns="36576" bIns="18288" anchor="ctr" anchorCtr="1">
+      <a:spAutoFit/>
+    </cs:bodyPr>
+  </cs:dataLabelCallout>
+  <cs:dataPoint>
+    <cs:lnRef idx="0"/>
+    <cs:fillRef idx="1">
+      <cs:styleClr val="auto"/>
+    </cs:fillRef>
+    <cs:effectRef idx="0"/>
+    <cs:fontRef idx="minor">
+      <a:schemeClr val="tx1"/>
+    </cs:fontRef>
+  </cs:dataPoint>
+  <cs:dataPoint3D>
+    <cs:lnRef idx="0"/>
+    <cs:fillRef idx="1">
+      <cs:styleClr val="auto"/>
+    </cs:fillRef>
+    <cs:effectRef idx="0"/>
+    <cs:fontRef idx="minor">
+      <a:schemeClr val="tx1"/>
+    </cs:fontRef>
+  </cs:dataPoint3D>
+  <cs:dataPointLine>
+    <cs:lnRef idx="0">
+      <cs:styleClr val="auto"/>
+    </cs:lnRef>
+    <cs:fillRef idx="1"/>
+    <cs:effectRef idx="0"/>
+    <cs:fontRef idx="minor">
+      <a:schemeClr val="tx1"/>
+    </cs:fontRef>
+    <cs:spPr>
+      <a:ln w="28575" cap="rnd">
+        <a:solidFill>
+          <a:schemeClr val="phClr"/>
+        </a:solidFill>
+        <a:round/>
+      </a:ln>
+    </cs:spPr>
+  </cs:dataPointLine>
+  <cs:dataPointMarker>
+    <cs:lnRef idx="0">
+      <cs:styleClr val="auto"/>
+    </cs:lnRef>
+    <cs:fillRef idx="1">
+      <cs:styleClr val="auto"/>
+    </cs:fillRef>
+    <cs:effectRef idx="0"/>
+    <cs:fontRef idx="minor">
+      <a:schemeClr val="tx1"/>
+    </cs:fontRef>
+    <cs:spPr>
+      <a:ln w="9525">
+        <a:solidFill>
+          <a:schemeClr val="phClr"/>
+        </a:solidFill>
+      </a:ln>
+    </cs:spPr>
+  </cs:dataPointMarker>
+  <cs:dataPointMarkerLayout symbol="circle" size="5"/>
+  <cs:dataPointWireframe>
+    <cs:lnRef idx="0">
+      <cs:styleClr val="auto"/>
+    </cs:lnRef>
+    <cs:fillRef idx="1"/>
+    <cs:effectRef idx="0"/>
+    <cs:fontRef idx="minor">
+      <a:schemeClr val="tx1"/>
+    </cs:fontRef>
+    <cs:spPr>
+      <a:ln w="9525" cap="rnd">
+        <a:solidFill>
+          <a:schemeClr val="phClr"/>
+        </a:solidFill>
+        <a:round/>
+      </a:ln>
+    </cs:spPr>
+  </cs:dataPointWireframe>
+  <cs:dataTable>
+    <cs:lnRef idx="0"/>
+    <cs:fillRef idx="0"/>
+    <cs:effectRef idx="0"/>
+    <cs:fontRef idx="minor">
+      <a:schemeClr val="tx1">
+        <a:lumMod val="65000"/>
+        <a:lumOff val="35000"/>
+      </a:schemeClr>
+    </cs:fontRef>
+    <cs:spPr>
+      <a:noFill/>
+      <a:ln w="9525" cap="flat" cmpd="sng" algn="ctr">
+        <a:solidFill>
+          <a:schemeClr val="tx1">
+            <a:lumMod val="15000"/>
+            <a:lumOff val="85000"/>
+          </a:schemeClr>
+        </a:solidFill>
+        <a:round/>
+      </a:ln>
+    </cs:spPr>
+    <cs:defRPr sz="900" kern="1200"/>
+  </cs:dataTable>
+  <cs:downBar>
+    <cs:lnRef idx="0"/>
+    <cs:fillRef idx="0"/>
+    <cs:effectRef idx="0"/>
+    <cs:fontRef idx="minor">
+      <a:schemeClr val="dk1"/>
+    </cs:fontRef>
+    <cs:spPr>
+      <a:solidFill>
+        <a:schemeClr val="dk1">
+          <a:lumMod val="65000"/>
+          <a:lumOff val="35000"/>
+        </a:schemeClr>
+      </a:solidFill>
+      <a:ln w="9525">
+        <a:solidFill>
+          <a:schemeClr val="tx1">
+            <a:lumMod val="65000"/>
+            <a:lumOff val="35000"/>
+          </a:schemeClr>
+        </a:solidFill>
+      </a:ln>
+    </cs:spPr>
+  </cs:downBar>
+  <cs:dropLine>
+    <cs:lnRef idx="0"/>
+    <cs:fillRef idx="0"/>
+    <cs:effectRef idx="0"/>
+    <cs:fontRef idx="minor">
+      <a:schemeClr val="tx1"/>
+    </cs:fontRef>
+    <cs:spPr>
+      <a:ln w="9525" cap="flat" cmpd="sng" algn="ctr">
+        <a:solidFill>
+          <a:schemeClr val="tx1">
+            <a:lumMod val="35000"/>
+            <a:lumOff val="65000"/>
+          </a:schemeClr>
+        </a:solidFill>
+        <a:round/>
+      </a:ln>
+    </cs:spPr>
+  </cs:dropLine>
+  <cs:errorBar>
+    <cs:lnRef idx="0"/>
+    <cs:fillRef idx="0"/>
+    <cs:effectRef idx="0"/>
+    <cs:fontRef idx="minor">
+      <a:schemeClr val="tx1"/>
+    </cs:fontRef>
+    <cs:spPr>
+      <a:ln w="9525" cap="flat" cmpd="sng" algn="ctr">
+        <a:solidFill>
+          <a:schemeClr val="tx1">
+            <a:lumMod val="65000"/>
+            <a:lumOff val="35000"/>
+          </a:schemeClr>
+        </a:solidFill>
+        <a:round/>
+      </a:ln>
+    </cs:spPr>
+  </cs:errorBar>
+  <cs:floor>
+    <cs:lnRef idx="0"/>
+    <cs:fillRef idx="0"/>
+    <cs:effectRef idx="0"/>
+    <cs:fontRef idx="minor">
+      <a:schemeClr val="tx1"/>
+    </cs:fontRef>
+    <cs:spPr>
+      <a:noFill/>
+      <a:ln>
+        <a:noFill/>
+      </a:ln>
+    </cs:spPr>
+  </cs:floor>
+  <cs:gridlineMajor>
+    <cs:lnRef idx="0"/>
+    <cs:fillRef idx="0"/>
+    <cs:effectRef idx="0"/>
+    <cs:fontRef idx="minor">
+      <a:schemeClr val="tx1"/>
+    </cs:fontRef>
+    <cs:spPr>
+      <a:ln w="9525" cap="flat" cmpd="sng" algn="ctr">
+        <a:solidFill>
+          <a:schemeClr val="tx1">
+            <a:lumMod val="15000"/>
+            <a:lumOff val="85000"/>
+          </a:schemeClr>
+        </a:solidFill>
+        <a:round/>
+      </a:ln>
+    </cs:spPr>
+  </cs:gridlineMajor>
+  <cs:gridlineMinor>
+    <cs:lnRef idx="0"/>
+    <cs:fillRef idx="0"/>
+    <cs:effectRef idx="0"/>
+    <cs:fontRef idx="minor">
+      <a:schemeClr val="tx1"/>
+    </cs:fontRef>
+    <cs:spPr>
+      <a:ln w="9525" cap="flat" cmpd="sng" algn="ctr">
+        <a:solidFill>
+          <a:schemeClr val="tx1">
+            <a:lumMod val="5000"/>
+            <a:lumOff val="95000"/>
+          </a:schemeClr>
+        </a:solidFill>
+        <a:round/>
+      </a:ln>
+    </cs:spPr>
+  </cs:gridlineMinor>
+  <cs:hiLoLine>
+    <cs:lnRef idx="0"/>
+    <cs:fillRef idx="0"/>
+    <cs:effectRef idx="0"/>
+    <cs:fontRef idx="minor">
+      <a:schemeClr val="tx1"/>
+    </cs:fontRef>
+    <cs:spPr>
+      <a:ln w="9525" cap="flat" cmpd="sng" algn="ctr">
+        <a:solidFill>
+          <a:schemeClr val="tx1">
+            <a:lumMod val="75000"/>
+            <a:lumOff val="25000"/>
+          </a:schemeClr>
+        </a:solidFill>
+        <a:round/>
+      </a:ln>
+    </cs:spPr>
+  </cs:hiLoLine>
+  <cs:leaderLine>
+    <cs:lnRef idx="0"/>
+    <cs:fillRef idx="0"/>
+    <cs:effectRef idx="0"/>
+    <cs:fontRef idx="minor">
+      <a:schemeClr val="tx1"/>
+    </cs:fontRef>
+    <cs:spPr>
+      <a:ln w="9525" cap="flat" cmpd="sng" algn="ctr">
+        <a:solidFill>
+          <a:schemeClr val="tx1">
+            <a:lumMod val="35000"/>
+            <a:lumOff val="65000"/>
+          </a:schemeClr>
+        </a:solidFill>
+        <a:round/>
+      </a:ln>
+    </cs:spPr>
+  </cs:leaderLine>
+  <cs:legend>
+    <cs:lnRef idx="0"/>
+    <cs:fillRef idx="0"/>
+    <cs:effectRef idx="0"/>
+    <cs:fontRef idx="minor">
+      <a:schemeClr val="tx1">
+        <a:lumMod val="65000"/>
+        <a:lumOff val="35000"/>
+      </a:schemeClr>
+    </cs:fontRef>
+    <cs:defRPr sz="900" kern="1200"/>
+  </cs:legend>
+  <cs:plotArea mods="allowNoFillOverride allowNoLineOverride">
+    <cs:lnRef idx="0"/>
+    <cs:fillRef idx="0"/>
+    <cs:effectRef idx="0"/>
+    <cs:fontRef idx="minor">
+      <a:schemeClr val="tx1"/>
+    </cs:fontRef>
+  </cs:plotArea>
+  <cs:plotArea3D mods="allowNoFillOverride allowNoLineOverride">
+    <cs:lnRef idx="0"/>
+    <cs:fillRef idx="0"/>
+    <cs:effectRef idx="0"/>
+    <cs:fontRef idx="minor">
+      <a:schemeClr val="tx1"/>
+    </cs:fontRef>
+  </cs:plotArea3D>
+  <cs:seriesAxis>
+    <cs:lnRef idx="0"/>
+    <cs:fillRef idx="0"/>
+    <cs:effectRef idx="0"/>
+    <cs:fontRef idx="minor">
+      <a:schemeClr val="tx1">
+        <a:lumMod val="65000"/>
+        <a:lumOff val="35000"/>
+      </a:schemeClr>
+    </cs:fontRef>
+    <cs:defRPr sz="900" kern="1200"/>
+  </cs:seriesAxis>
+  <cs:seriesLine>
+    <cs:lnRef idx="0"/>
+    <cs:fillRef idx="0"/>
+    <cs:effectRef idx="0"/>
+    <cs:fontRef idx="minor">
+      <a:schemeClr val="tx1"/>
+    </cs:fontRef>
+    <cs:spPr>
+      <a:ln w="9525" cap="flat" cmpd="sng" algn="ctr">
+        <a:solidFill>
+          <a:schemeClr val="tx1">
+            <a:lumMod val="35000"/>
+            <a:lumOff val="65000"/>
+          </a:schemeClr>
+        </a:solidFill>
+        <a:round/>
+      </a:ln>
+    </cs:spPr>
+  </cs:seriesLine>
+  <cs:title>
+    <cs:lnRef idx="0"/>
+    <cs:fillRef idx="0"/>
+    <cs:effectRef idx="0"/>
+    <cs:fontRef idx="minor">
+      <a:schemeClr val="tx1">
+        <a:lumMod val="65000"/>
+        <a:lumOff val="35000"/>
+      </a:schemeClr>
+    </cs:fontRef>
+    <cs:defRPr sz="1400" b="0" kern="1200" spc="0" baseline="0"/>
+  </cs:title>
+  <cs:trendline>
+    <cs:lnRef idx="0">
+      <cs:styleClr val="auto"/>
+    </cs:lnRef>
+    <cs:fillRef idx="0"/>
+    <cs:effectRef idx="0"/>
+    <cs:fontRef idx="minor">
+      <a:schemeClr val="tx1"/>
+    </cs:fontRef>
+    <cs:spPr>
+      <a:ln w="19050" cap="rnd">
+        <a:solidFill>
+          <a:schemeClr val="phClr"/>
+        </a:solidFill>
+        <a:prstDash val="sysDot"/>
+      </a:ln>
+    </cs:spPr>
+  </cs:trendline>
+  <cs:trendlineLabel>
+    <cs:lnRef idx="0"/>
+    <cs:fillRef idx="0"/>
+    <cs:effectRef idx="0"/>
+    <cs:fontRef idx="minor">
+      <a:schemeClr val="tx1">
+        <a:lumMod val="65000"/>
+        <a:lumOff val="35000"/>
+      </a:schemeClr>
+    </cs:fontRef>
+    <cs:defRPr sz="900" kern="1200"/>
+  </cs:trendlineLabel>
+  <cs:upBar>
+    <cs:lnRef idx="0"/>
+    <cs:fillRef idx="0"/>
+    <cs:effectRef idx="0"/>
+    <cs:fontRef idx="minor">
+      <a:schemeClr val="dk1"/>
+    </cs:fontRef>
+    <cs:spPr>
+      <a:solidFill>
+        <a:schemeClr val="lt1"/>
+      </a:solidFill>
+      <a:ln w="9525">
+        <a:solidFill>
+          <a:schemeClr val="tx1">
+            <a:lumMod val="15000"/>
+            <a:lumOff val="85000"/>
+          </a:schemeClr>
+        </a:solidFill>
+      </a:ln>
+    </cs:spPr>
+  </cs:upBar>
+  <cs:valueAxis>
+    <cs:lnRef idx="0"/>
+    <cs:fillRef idx="0"/>
+    <cs:effectRef idx="0"/>
+    <cs:fontRef idx="minor">
+      <a:schemeClr val="tx1">
+        <a:lumMod val="65000"/>
+        <a:lumOff val="35000"/>
+      </a:schemeClr>
+    </cs:fontRef>
+    <cs:defRPr sz="900" kern="1200"/>
+  </cs:valueAxis>
+  <cs:wall>
+    <cs:lnRef idx="0"/>
+    <cs:fillRef idx="0"/>
+    <cs:effectRef idx="0"/>
+    <cs:fontRef idx="minor">
+      <a:schemeClr val="tx1"/>
+    </cs:fontRef>
+    <cs:spPr>
+      <a:noFill/>
+      <a:ln>
+        <a:noFill/>
+      </a:ln>
+    </cs:spPr>
+  </cs:wall>
+</cs:chartStyle>
+</file>
+
 <file path=ppt/slideLayouts/slideLayout1.xml><?xml version="1.0" encoding="utf-8"?>
 <p:sldLayout xmlns:a="http://schemas.openxmlformats.org/drawingml/2006/main" xmlns:r="http://schemas.openxmlformats.org/officeDocument/2006/relationships" xmlns:p="http://schemas.openxmlformats.org/presentationml/2006/main" type="title" preserve="1">
   <p:cSld name="Title Slide">
@@ -1363,7 +2433,7 @@
           <a:p>
             <a:fld id="{FEC8F623-83FF-45D9-9165-1796CF17F145}" type="datetimeFigureOut">
               <a:rPr lang="en-US" smtClean="0"/>
-              <a:t>10/19/2023</a:t>
+              <a:t>8/7/2024</a:t>
             </a:fld>
             <a:endParaRPr lang="en-US"/>
           </a:p>
@@ -1531,7 +2601,7 @@
           <a:p>
             <a:fld id="{FEC8F623-83FF-45D9-9165-1796CF17F145}" type="datetimeFigureOut">
               <a:rPr lang="en-US" smtClean="0"/>
-              <a:t>10/19/2023</a:t>
+              <a:t>8/7/2024</a:t>
             </a:fld>
             <a:endParaRPr lang="en-US"/>
           </a:p>
@@ -1709,7 +2779,7 @@
           <a:p>
             <a:fld id="{FEC8F623-83FF-45D9-9165-1796CF17F145}" type="datetimeFigureOut">
               <a:rPr lang="en-US" smtClean="0"/>
-              <a:t>10/19/2023</a:t>
+              <a:t>8/7/2024</a:t>
             </a:fld>
             <a:endParaRPr lang="en-US"/>
           </a:p>
@@ -1877,7 +2947,7 @@
           <a:p>
             <a:fld id="{FEC8F623-83FF-45D9-9165-1796CF17F145}" type="datetimeFigureOut">
               <a:rPr lang="en-US" smtClean="0"/>
-              <a:t>10/19/2023</a:t>
+              <a:t>8/7/2024</a:t>
             </a:fld>
             <a:endParaRPr lang="en-US"/>
           </a:p>
@@ -2157,7 +3227,7 @@
           <a:p>
             <a:fld id="{FEC8F623-83FF-45D9-9165-1796CF17F145}" type="datetimeFigureOut">
               <a:rPr lang="en-US" smtClean="0"/>
-              <a:t>10/19/2023</a:t>
+              <a:t>8/7/2024</a:t>
             </a:fld>
             <a:endParaRPr lang="en-US"/>
           </a:p>
@@ -2410,7 +3480,7 @@
           <a:p>
             <a:fld id="{FEC8F623-83FF-45D9-9165-1796CF17F145}" type="datetimeFigureOut">
               <a:rPr lang="en-US" smtClean="0"/>
-              <a:t>10/19/2023</a:t>
+              <a:t>8/7/2024</a:t>
             </a:fld>
             <a:endParaRPr lang="en-US"/>
           </a:p>
@@ -2798,7 +3868,7 @@
           <a:p>
             <a:fld id="{FEC8F623-83FF-45D9-9165-1796CF17F145}" type="datetimeFigureOut">
               <a:rPr lang="en-US" smtClean="0"/>
-              <a:t>10/19/2023</a:t>
+              <a:t>8/7/2024</a:t>
             </a:fld>
             <a:endParaRPr lang="en-US"/>
           </a:p>
@@ -2939,7 +4009,7 @@
           <a:p>
             <a:fld id="{FEC8F623-83FF-45D9-9165-1796CF17F145}" type="datetimeFigureOut">
               <a:rPr lang="en-US" smtClean="0"/>
-              <a:t>10/19/2023</a:t>
+              <a:t>8/7/2024</a:t>
             </a:fld>
             <a:endParaRPr lang="en-US"/>
           </a:p>
@@ -3034,7 +4104,7 @@
           <a:p>
             <a:fld id="{FEC8F623-83FF-45D9-9165-1796CF17F145}" type="datetimeFigureOut">
               <a:rPr lang="en-US" smtClean="0"/>
-              <a:t>10/19/2023</a:t>
+              <a:t>8/7/2024</a:t>
             </a:fld>
             <a:endParaRPr lang="en-US"/>
           </a:p>
@@ -3309,7 +4379,7 @@
           <a:p>
             <a:fld id="{FEC8F623-83FF-45D9-9165-1796CF17F145}" type="datetimeFigureOut">
               <a:rPr lang="en-US" smtClean="0"/>
-              <a:t>10/19/2023</a:t>
+              <a:t>8/7/2024</a:t>
             </a:fld>
             <a:endParaRPr lang="en-US"/>
           </a:p>
@@ -3561,7 +4631,7 @@
           <a:p>
             <a:fld id="{FEC8F623-83FF-45D9-9165-1796CF17F145}" type="datetimeFigureOut">
               <a:rPr lang="en-US" smtClean="0"/>
-              <a:t>10/19/2023</a:t>
+              <a:t>8/7/2024</a:t>
             </a:fld>
             <a:endParaRPr lang="en-US"/>
           </a:p>
@@ -3772,7 +4842,7 @@
           <a:p>
             <a:fld id="{FEC8F623-83FF-45D9-9165-1796CF17F145}" type="datetimeFigureOut">
               <a:rPr lang="en-US" smtClean="0"/>
-              <a:t>10/19/2023</a:t>
+              <a:t>8/7/2024</a:t>
             </a:fld>
             <a:endParaRPr lang="en-US"/>
           </a:p>
@@ -4273,24 +5343,15 @@
           </a:bodyPr>
           <a:lstStyle/>
           <a:p>
-            <a:pPr algn="l"/>
-            <a:r>
-              <a:rPr lang="en-US" b="0" i="0" dirty="0">
-                <a:solidFill>
-                  <a:srgbClr val="000000"/>
-                </a:solidFill>
+            <a:r>
+              <a:rPr lang="en-US" sz="1800" dirty="0">
                 <a:effectLst/>
                 <a:latin typeface="Open Sans" panose="020B0606030504020204" pitchFamily="34" charset="0"/>
+                <a:ea typeface="Open Sans" panose="020B0606030504020204" pitchFamily="34" charset="0"/>
+                <a:cs typeface="Open Sans" panose="020B0606030504020204" pitchFamily="34" charset="0"/>
               </a:rPr>
-              <a:t>The overall crude prevalence of physical activity among adults in the general population was higher during 2017–March 2020 than during 2001–2004 (76.5% and 66.1% respectively). Among adults with CKD, the prevalence of physical activity was lower than in the general population but trended higher over time.</a:t>
-            </a:r>
-            <a:endParaRPr lang="en-US" b="0" dirty="0">
-              <a:solidFill>
-                <a:srgbClr val="000000"/>
-              </a:solidFill>
-              <a:effectLst/>
-              <a:latin typeface="Open Sans" panose="020B0606030504020204" pitchFamily="34" charset="0"/>
-            </a:endParaRPr>
+              <a:t>During 2005–March 2020, crude prevalence of diabetes ranged from 28.6% to 37.6%, while that of anemia ranged from 14.1% to 17.7% among adults with CKD. Both crude and age-standardized prevalence of the listed comorbidities was higher among adults with CKD than those without CKD. </a:t>
+            </a:r>
           </a:p>
           <a:p>
             <a:pPr algn="l"/>
@@ -4300,6 +5361,8 @@
               </a:solidFill>
               <a:effectLst/>
               <a:latin typeface="Open Sans" panose="020B0606030504020204" pitchFamily="34" charset="0"/>
+              <a:ea typeface="Open Sans" panose="020B0606030504020204" pitchFamily="34" charset="0"/>
+              <a:cs typeface="Open Sans" panose="020B0606030504020204" pitchFamily="34" charset="0"/>
             </a:endParaRPr>
           </a:p>
           <a:p>
@@ -4311,6 +5374,8 @@
                 </a:solidFill>
                 <a:effectLst/>
                 <a:latin typeface="Open Sans" panose="020B0606030504020204" pitchFamily="34" charset="0"/>
+                <a:ea typeface="Open Sans" panose="020B0606030504020204" pitchFamily="34" charset="0"/>
+                <a:cs typeface="Open Sans" panose="020B0606030504020204" pitchFamily="34" charset="0"/>
               </a:rPr>
               <a:t>Data Source: </a:t>
             </a:r>
@@ -4321,6 +5386,8 @@
                 </a:solidFill>
                 <a:effectLst/>
                 <a:latin typeface="Open Sans" panose="020B0606030504020204" pitchFamily="34" charset="0"/>
+                <a:ea typeface="Open Sans" panose="020B0606030504020204" pitchFamily="34" charset="0"/>
+                <a:cs typeface="Open Sans" panose="020B0606030504020204" pitchFamily="34" charset="0"/>
               </a:rPr>
               <a:t>NHANES</a:t>
             </a:r>
@@ -4374,8 +5441,20 @@
                     <a:lumOff val="35000"/>
                   </a:schemeClr>
                 </a:solidFill>
+                <a:hlinkClick r:id="rId3"/>
               </a:rPr>
               <a:t>https://nccd.cdc.gov/CKD/detail.aspx?Qnum=Q781</a:t>
+            </a:r>
+            <a:r>
+              <a:rPr lang="en-US" dirty="0">
+                <a:solidFill>
+                  <a:schemeClr val="tx1">
+                    <a:lumMod val="65000"/>
+                    <a:lumOff val="35000"/>
+                  </a:schemeClr>
+                </a:solidFill>
+              </a:rPr>
+              <a:t> </a:t>
             </a:r>
           </a:p>
         </p:txBody>
@@ -4427,13 +5506,15 @@
           </a:xfrm>
         </p:spPr>
         <p:txBody>
-          <a:bodyPr/>
+          <a:bodyPr>
+            <a:normAutofit/>
+          </a:bodyPr>
           <a:lstStyle/>
           <a:p>
             <a:pPr algn="ctr"/>
             <a:r>
               <a:rPr lang="en-US" sz="4400" b="1" dirty="0"/>
-              <a:t>Trends in Prevalence of Self-Reported Physical Activity among U.S. Adults, by CKD</a:t>
+              <a:t>Crude Trends in Prevalence of Self-Reported Physical Activity among U.S. Adults, by CKD</a:t>
             </a:r>
             <a:endParaRPr lang="en-US" b="1" dirty="0"/>
           </a:p>
@@ -4441,27 +5522,25 @@
       </p:sp>
       <p:graphicFrame>
         <p:nvGraphicFramePr>
-          <p:cNvPr id="5" name="Chart 4">
+          <p:cNvPr id="4" name="Chart 3">
             <a:extLst>
               <a:ext uri="{FF2B5EF4-FFF2-40B4-BE49-F238E27FC236}">
                 <a16:creationId xmlns:a16="http://schemas.microsoft.com/office/drawing/2014/main" id="{FC8BF0B5-8DAA-473C-ADDE-87BAD6168E6D}"/>
               </a:ext>
             </a:extLst>
           </p:cNvPr>
-          <p:cNvGraphicFramePr>
-            <a:graphicFrameLocks/>
-          </p:cNvGraphicFramePr>
+          <p:cNvGraphicFramePr/>
           <p:nvPr>
             <p:extLst>
               <p:ext uri="{D42A27DB-BD31-4B8C-83A1-F6EECF244321}">
-                <p14:modId xmlns:p14="http://schemas.microsoft.com/office/powerpoint/2010/main" val="3227538298"/>
+                <p14:modId xmlns:p14="http://schemas.microsoft.com/office/powerpoint/2010/main" val="180463946"/>
               </p:ext>
             </p:extLst>
           </p:nvPr>
         </p:nvGraphicFramePr>
         <p:xfrm>
-          <a:off x="238539" y="1540911"/>
-          <a:ext cx="11714922" cy="4634602"/>
+          <a:off x="0" y="1444487"/>
+          <a:ext cx="12192000" cy="4744278"/>
         </p:xfrm>
         <a:graphic>
           <a:graphicData uri="http://schemas.openxmlformats.org/drawingml/2006/chart">
@@ -4473,6 +5552,95 @@
     <p:extLst>
       <p:ext uri="{BB962C8B-B14F-4D97-AF65-F5344CB8AC3E}">
         <p14:creationId xmlns:p14="http://schemas.microsoft.com/office/powerpoint/2010/main" val="3236636429"/>
+      </p:ext>
+    </p:extLst>
+  </p:cSld>
+  <p:clrMapOvr>
+    <a:masterClrMapping/>
+  </p:clrMapOvr>
+</p:sld>
+</file>
+
+<file path=ppt/slides/slide3.xml><?xml version="1.0" encoding="utf-8"?>
+<p:sld xmlns:a="http://schemas.openxmlformats.org/drawingml/2006/main" xmlns:r="http://schemas.openxmlformats.org/officeDocument/2006/relationships" xmlns:p="http://schemas.openxmlformats.org/presentationml/2006/main">
+  <p:cSld>
+    <p:spTree>
+      <p:nvGrpSpPr>
+        <p:cNvPr id="1" name=""/>
+        <p:cNvGrpSpPr/>
+        <p:nvPr/>
+      </p:nvGrpSpPr>
+      <p:grpSpPr>
+        <a:xfrm>
+          <a:off x="0" y="0"/>
+          <a:ext cx="0" cy="0"/>
+          <a:chOff x="0" y="0"/>
+          <a:chExt cx="0" cy="0"/>
+        </a:xfrm>
+      </p:grpSpPr>
+      <p:sp>
+        <p:nvSpPr>
+          <p:cNvPr id="2" name="Title 1"/>
+          <p:cNvSpPr>
+            <a:spLocks noGrp="1"/>
+          </p:cNvSpPr>
+          <p:nvPr>
+            <p:ph type="title"/>
+          </p:nvPr>
+        </p:nvSpPr>
+        <p:spPr>
+          <a:xfrm>
+            <a:off x="258417" y="215348"/>
+            <a:ext cx="11675165" cy="1325563"/>
+          </a:xfrm>
+        </p:spPr>
+        <p:txBody>
+          <a:bodyPr>
+            <a:normAutofit fontScale="90000"/>
+          </a:bodyPr>
+          <a:lstStyle/>
+          <a:p>
+            <a:pPr algn="ctr"/>
+            <a:r>
+              <a:rPr lang="en-US" sz="4400" b="1" dirty="0"/>
+              <a:t>Age-Standardized Trends in Prevalence of Self-Reported Physical Activity among U.S. Adults, by CKD</a:t>
+            </a:r>
+            <a:endParaRPr lang="en-US" b="1" dirty="0"/>
+          </a:p>
+        </p:txBody>
+      </p:sp>
+      <p:graphicFrame>
+        <p:nvGraphicFramePr>
+          <p:cNvPr id="5" name="Chart 4">
+            <a:extLst>
+              <a:ext uri="{FF2B5EF4-FFF2-40B4-BE49-F238E27FC236}">
+                <a16:creationId xmlns:a16="http://schemas.microsoft.com/office/drawing/2014/main" id="{5DD7E072-A4D8-491A-A0AE-2088796434B7}"/>
+              </a:ext>
+            </a:extLst>
+          </p:cNvPr>
+          <p:cNvGraphicFramePr/>
+          <p:nvPr>
+            <p:extLst>
+              <p:ext uri="{D42A27DB-BD31-4B8C-83A1-F6EECF244321}">
+                <p14:modId xmlns:p14="http://schemas.microsoft.com/office/powerpoint/2010/main" val="3075017342"/>
+              </p:ext>
+            </p:extLst>
+          </p:nvPr>
+        </p:nvGraphicFramePr>
+        <p:xfrm>
+          <a:off x="0" y="1404729"/>
+          <a:ext cx="12191999" cy="4770783"/>
+        </p:xfrm>
+        <a:graphic>
+          <a:graphicData uri="http://schemas.openxmlformats.org/drawingml/2006/chart">
+            <c:chart xmlns:c="http://schemas.openxmlformats.org/drawingml/2006/chart" xmlns:r="http://schemas.openxmlformats.org/officeDocument/2006/relationships" r:id="rId2"/>
+          </a:graphicData>
+        </a:graphic>
+      </p:graphicFrame>
+    </p:spTree>
+    <p:extLst>
+      <p:ext uri="{BB962C8B-B14F-4D97-AF65-F5344CB8AC3E}">
+        <p14:creationId xmlns:p14="http://schemas.microsoft.com/office/powerpoint/2010/main" val="2098131967"/>
       </p:ext>
     </p:extLst>
   </p:cSld>
